--- a/ProjectDocumentation part/EMPLOYEE MANAGEMENT SYSTEM.pptx
+++ b/ProjectDocumentation part/EMPLOYEE MANAGEMENT SYSTEM.pptx
@@ -15827,55 +15827,6 @@
       </p:sp>
       <p:cxnSp>
         <p:nvCxnSpPr>
-          <p:cNvPr id="36" name="Straight Arrow Connector 35">
-            <a:extLst>
-              <a:ext uri="{FF2B5EF4-FFF2-40B4-BE49-F238E27FC236}">
-                <a16:creationId xmlns:a16="http://schemas.microsoft.com/office/drawing/2014/main" id="{1BA1E6B4-BB4E-429B-943C-E116865379E4}"/>
-              </a:ext>
-            </a:extLst>
-          </p:cNvPr>
-          <p:cNvCxnSpPr>
-            <a:cxnSpLocks/>
-            <a:stCxn id="11" idx="6"/>
-            <a:endCxn id="27" idx="2"/>
-          </p:cNvCxnSpPr>
-          <p:nvPr/>
-        </p:nvCxnSpPr>
-        <p:spPr>
-          <a:xfrm flipV="1">
-            <a:off x="8425746" y="2132255"/>
-            <a:ext cx="912218" cy="478302"/>
-          </a:xfrm>
-          <a:prstGeom prst="straightConnector1">
-            <a:avLst/>
-          </a:prstGeom>
-          <a:ln>
-            <a:solidFill>
-              <a:schemeClr val="accent5">
-                <a:lumMod val="60000"/>
-                <a:lumOff val="40000"/>
-              </a:schemeClr>
-            </a:solidFill>
-            <a:tailEnd type="triangle"/>
-          </a:ln>
-        </p:spPr>
-        <p:style>
-          <a:lnRef idx="1">
-            <a:schemeClr val="accent1"/>
-          </a:lnRef>
-          <a:fillRef idx="0">
-            <a:schemeClr val="accent1"/>
-          </a:fillRef>
-          <a:effectRef idx="0">
-            <a:schemeClr val="accent1"/>
-          </a:effectRef>
-          <a:fontRef idx="minor">
-            <a:schemeClr val="tx1"/>
-          </a:fontRef>
-        </p:style>
-      </p:cxnSp>
-      <p:cxnSp>
-        <p:nvCxnSpPr>
           <p:cNvPr id="43" name="Connector: Curved 42">
             <a:extLst>
               <a:ext uri="{FF2B5EF4-FFF2-40B4-BE49-F238E27FC236}">
